--- a/lecture_slides_pdfs/06.pptx
+++ b/lecture_slides_pdfs/06.pptx
@@ -9,7 +9,7 @@
   </p:notesMasterIdLst>
   <p:sldIdLst>
     <p:sldId id="326" r:id="rId2"/>
-    <p:sldId id="329" r:id="rId3"/>
+    <p:sldId id="330" r:id="rId3"/>
     <p:sldId id="327" r:id="rId4"/>
     <p:sldId id="306" r:id="rId5"/>
     <p:sldId id="283" r:id="rId6"/>
@@ -4693,7 +4693,7 @@
                 <a:ea typeface="ＭＳ Ｐゴシック" panose="020B0600070205080204" pitchFamily="34" charset="-128"/>
                 <a:cs typeface="Calibri" panose="020F0502020204030204" pitchFamily="34" charset="0"/>
               </a:rPr>
-              <a:t>Lectures 6:  Neural Signals in Dendrites</a:t>
+              <a:t>Lecture 6:  Neural Signals in Dendrites</a:t>
             </a:r>
           </a:p>
           <a:p>
@@ -4706,7 +4706,7 @@
                 <a:ea typeface="ＭＳ Ｐゴシック" panose="020B0600070205080204" pitchFamily="34" charset="-128"/>
                 <a:cs typeface="Calibri" panose="020F0502020204030204" pitchFamily="34" charset="0"/>
               </a:rPr>
-              <a:t>2022_v1</a:t>
+              <a:t>2022_v2</a:t>
             </a:r>
           </a:p>
           <a:p>
@@ -14960,7 +14960,7 @@
           <p:cNvPr id="2" name="Title 1">
             <a:extLst>
               <a:ext uri="{FF2B5EF4-FFF2-40B4-BE49-F238E27FC236}">
-                <a16:creationId xmlns:a16="http://schemas.microsoft.com/office/drawing/2014/main" id="{1816B6E7-2D88-F449-B35F-3464F4AB5E43}"/>
+                <a16:creationId xmlns:a16="http://schemas.microsoft.com/office/drawing/2014/main" id="{0B73D6C7-D822-19B2-8594-8B1233ACA5B9}"/>
               </a:ext>
             </a:extLst>
           </p:cNvPr>
@@ -14976,145 +14976,37 @@
           <a:bodyPr/>
           <a:lstStyle/>
           <a:p>
-            <a:pPr algn="ctr"/>
-            <a:r>
-              <a:rPr lang="en-US" b="1" dirty="0"/>
-              <a:t>Never Too Late to Up One’s Game</a:t>
-            </a:r>
-          </a:p>
-        </p:txBody>
-      </p:sp>
-      <p:pic>
-        <p:nvPicPr>
-          <p:cNvPr id="5" name="Picture 4" descr="A painting of a group of women&#10;&#10;Description automatically generated with medium confidence">
-            <a:extLst>
-              <a:ext uri="{FF2B5EF4-FFF2-40B4-BE49-F238E27FC236}">
-                <a16:creationId xmlns:a16="http://schemas.microsoft.com/office/drawing/2014/main" id="{E50CC86B-D45E-7340-BD06-A0AF3EC3B027}"/>
-              </a:ext>
-            </a:extLst>
-          </p:cNvPr>
-          <p:cNvPicPr>
-            <a:picLocks noChangeAspect="1"/>
-          </p:cNvPicPr>
-          <p:nvPr/>
-        </p:nvPicPr>
-        <p:blipFill>
-          <a:blip r:embed="rId2"/>
-          <a:stretch>
-            <a:fillRect/>
-          </a:stretch>
-        </p:blipFill>
-        <p:spPr>
-          <a:xfrm>
-            <a:off x="495946" y="1569270"/>
-            <a:ext cx="3611106" cy="4784140"/>
-          </a:xfrm>
-          <a:prstGeom prst="rect">
-            <a:avLst/>
-          </a:prstGeom>
-        </p:spPr>
-      </p:pic>
-      <p:sp>
-        <p:nvSpPr>
-          <p:cNvPr id="6" name="TextBox 5">
-            <a:extLst>
-              <a:ext uri="{FF2B5EF4-FFF2-40B4-BE49-F238E27FC236}">
-                <a16:creationId xmlns:a16="http://schemas.microsoft.com/office/drawing/2014/main" id="{A5D5C562-2430-7A44-B788-F9A03B0F5410}"/>
-              </a:ext>
-            </a:extLst>
-          </p:cNvPr>
-          <p:cNvSpPr txBox="1"/>
-          <p:nvPr/>
-        </p:nvSpPr>
-        <p:spPr>
-          <a:xfrm>
-            <a:off x="4680487" y="1976491"/>
-            <a:ext cx="5735866" cy="923330"/>
-          </a:xfrm>
-          <a:prstGeom prst="rect">
-            <a:avLst/>
-          </a:prstGeom>
-          <a:noFill/>
-        </p:spPr>
-        <p:txBody>
-          <a:bodyPr wrap="none" rtlCol="0">
-            <a:spAutoFit/>
-          </a:bodyPr>
-          <a:lstStyle/>
-          <a:p>
             <a:r>
               <a:rPr lang="en-US" dirty="0"/>
-              <a:t>Anne Bronte (1820-1849) </a:t>
-            </a:r>
-            <a:r>
-              <a:rPr lang="en-US" i="1" dirty="0"/>
-              <a:t>The Tenant of Wildfell Hall (1849)</a:t>
-            </a:r>
-            <a:endParaRPr lang="en-US" dirty="0"/>
-          </a:p>
-          <a:p>
-            <a:r>
-              <a:rPr lang="en-US" dirty="0"/>
-              <a:t>Charlotte Bronte (1816-1855) </a:t>
-            </a:r>
-            <a:r>
-              <a:rPr lang="en-US" i="1" dirty="0"/>
-              <a:t>Jane Eyre (1847)</a:t>
-            </a:r>
-            <a:endParaRPr lang="en-US" dirty="0"/>
-          </a:p>
-          <a:p>
-            <a:r>
-              <a:rPr lang="en-US" dirty="0"/>
-              <a:t>Emily Bronte (1818-1848) </a:t>
-            </a:r>
-            <a:r>
-              <a:rPr lang="en-US" i="1" dirty="0"/>
-              <a:t>Wuthering Heights (1847)</a:t>
-            </a:r>
-            <a:endParaRPr lang="en-US" dirty="0"/>
+              <a:t>Switch to Doc camera</a:t>
+            </a:r>
           </a:p>
         </p:txBody>
       </p:sp>
       <p:sp>
         <p:nvSpPr>
-          <p:cNvPr id="7" name="TextBox 6">
+          <p:cNvPr id="3" name="Content Placeholder 2">
             <a:extLst>
               <a:ext uri="{FF2B5EF4-FFF2-40B4-BE49-F238E27FC236}">
-                <a16:creationId xmlns:a16="http://schemas.microsoft.com/office/drawing/2014/main" id="{E0663D25-538E-D243-8FAF-9440F42B44B4}"/>
+                <a16:creationId xmlns:a16="http://schemas.microsoft.com/office/drawing/2014/main" id="{0FF23993-BC2B-EA91-BEC6-43CBFDB53620}"/>
               </a:ext>
             </a:extLst>
           </p:cNvPr>
-          <p:cNvSpPr txBox="1"/>
-          <p:nvPr/>
+          <p:cNvSpPr>
+            <a:spLocks noGrp="1"/>
+          </p:cNvSpPr>
+          <p:nvPr>
+            <p:ph idx="1"/>
+          </p:nvPr>
         </p:nvSpPr>
-        <p:spPr>
-          <a:xfrm>
-            <a:off x="4680487" y="4432515"/>
-            <a:ext cx="7015567" cy="646331"/>
-          </a:xfrm>
-          <a:prstGeom prst="rect">
-            <a:avLst/>
-          </a:prstGeom>
-          <a:noFill/>
-        </p:spPr>
+        <p:spPr/>
         <p:txBody>
-          <a:bodyPr wrap="square" rtlCol="0">
-            <a:spAutoFit/>
-          </a:bodyPr>
+          <a:bodyPr/>
           <a:lstStyle/>
           <a:p>
             <a:r>
               <a:rPr lang="en-US" dirty="0"/>
-              <a:t>James Bronte </a:t>
-            </a:r>
-            <a:r>
-              <a:rPr lang="en-US" dirty="0" err="1"/>
-              <a:t>Gatenby</a:t>
-            </a:r>
-            <a:r>
-              <a:rPr lang="en-US" dirty="0"/>
-              <a:t> (1892-1960) – zoologist known for his study of Golgi bodies</a:t>
+              <a:t>Notes to be scanned into PDF </a:t>
             </a:r>
           </a:p>
         </p:txBody>
@@ -15122,91 +15014,13 @@
     </p:spTree>
     <p:extLst>
       <p:ext uri="{BB962C8B-B14F-4D97-AF65-F5344CB8AC3E}">
-        <p14:creationId xmlns:p14="http://schemas.microsoft.com/office/powerpoint/2010/main" val="1737679962"/>
+        <p14:creationId xmlns:p14="http://schemas.microsoft.com/office/powerpoint/2010/main" val="2113564172"/>
       </p:ext>
     </p:extLst>
   </p:cSld>
   <p:clrMapOvr>
     <a:masterClrMapping/>
   </p:clrMapOvr>
-  <p:timing>
-    <p:tnLst>
-      <p:par>
-        <p:cTn id="1" dur="indefinite" restart="never" nodeType="tmRoot">
-          <p:childTnLst>
-            <p:seq concurrent="1" nextAc="seek">
-              <p:cTn id="2" dur="indefinite" nodeType="mainSeq">
-                <p:childTnLst>
-                  <p:par>
-                    <p:cTn id="3" fill="hold">
-                      <p:stCondLst>
-                        <p:cond delay="indefinite"/>
-                      </p:stCondLst>
-                      <p:childTnLst>
-                        <p:par>
-                          <p:cTn id="4" fill="hold">
-                            <p:stCondLst>
-                              <p:cond delay="0"/>
-                            </p:stCondLst>
-                            <p:childTnLst>
-                              <p:par>
-                                <p:cTn id="5" presetID="1" presetClass="entr" presetSubtype="0" fill="hold" grpId="0" nodeType="clickEffect">
-                                  <p:stCondLst>
-                                    <p:cond delay="0"/>
-                                  </p:stCondLst>
-                                  <p:childTnLst>
-                                    <p:set>
-                                      <p:cBhvr>
-                                        <p:cTn id="6" dur="1" fill="hold">
-                                          <p:stCondLst>
-                                            <p:cond delay="0"/>
-                                          </p:stCondLst>
-                                        </p:cTn>
-                                        <p:tgtEl>
-                                          <p:spTgt spid="7"/>
-                                        </p:tgtEl>
-                                        <p:attrNameLst>
-                                          <p:attrName>style.visibility</p:attrName>
-                                        </p:attrNameLst>
-                                      </p:cBhvr>
-                                      <p:to>
-                                        <p:strVal val="visible"/>
-                                      </p:to>
-                                    </p:set>
-                                  </p:childTnLst>
-                                </p:cTn>
-                              </p:par>
-                            </p:childTnLst>
-                          </p:cTn>
-                        </p:par>
-                      </p:childTnLst>
-                    </p:cTn>
-                  </p:par>
-                </p:childTnLst>
-              </p:cTn>
-              <p:prevCondLst>
-                <p:cond evt="onPrev" delay="0">
-                  <p:tgtEl>
-                    <p:sldTgt/>
-                  </p:tgtEl>
-                </p:cond>
-              </p:prevCondLst>
-              <p:nextCondLst>
-                <p:cond evt="onNext" delay="0">
-                  <p:tgtEl>
-                    <p:sldTgt/>
-                  </p:tgtEl>
-                </p:cond>
-              </p:nextCondLst>
-            </p:seq>
-          </p:childTnLst>
-        </p:cTn>
-      </p:par>
-    </p:tnLst>
-    <p:bldLst>
-      <p:bldP spid="7" grpId="0"/>
-    </p:bldLst>
-  </p:timing>
 </p:sld>
 </file>
 
